--- a/Presentation/insertion_experiment.pptx
+++ b/Presentation/insertion_experiment.pptx
@@ -12,18 +12,29 @@
     <p:sldId id="260" r:id="rId6"/>
     <p:sldId id="261" r:id="rId7"/>
     <p:sldId id="262" r:id="rId8"/>
-    <p:sldId id="263" r:id="rId9"/>
-    <p:sldId id="264" r:id="rId10"/>
-    <p:sldId id="265" r:id="rId11"/>
+    <p:sldId id="277" r:id="rId9"/>
+    <p:sldId id="263" r:id="rId10"/>
+    <p:sldId id="264" r:id="rId11"/>
     <p:sldId id="266" r:id="rId12"/>
-    <p:sldId id="267" r:id="rId13"/>
-    <p:sldId id="268" r:id="rId14"/>
-    <p:sldId id="269" r:id="rId15"/>
-    <p:sldId id="270" r:id="rId16"/>
-    <p:sldId id="271" r:id="rId17"/>
-    <p:sldId id="272" r:id="rId18"/>
-    <p:sldId id="273" r:id="rId19"/>
-    <p:sldId id="274" r:id="rId20"/>
+    <p:sldId id="265" r:id="rId13"/>
+    <p:sldId id="267" r:id="rId14"/>
+    <p:sldId id="268" r:id="rId15"/>
+    <p:sldId id="269" r:id="rId16"/>
+    <p:sldId id="270" r:id="rId17"/>
+    <p:sldId id="271" r:id="rId18"/>
+    <p:sldId id="272" r:id="rId19"/>
+    <p:sldId id="273" r:id="rId20"/>
+    <p:sldId id="274" r:id="rId21"/>
+    <p:sldId id="275" r:id="rId22"/>
+    <p:sldId id="276" r:id="rId23"/>
+    <p:sldId id="278" r:id="rId24"/>
+    <p:sldId id="285" r:id="rId25"/>
+    <p:sldId id="279" r:id="rId26"/>
+    <p:sldId id="280" r:id="rId27"/>
+    <p:sldId id="281" r:id="rId28"/>
+    <p:sldId id="282" r:id="rId29"/>
+    <p:sldId id="283" r:id="rId30"/>
+    <p:sldId id="284" r:id="rId31"/>
   </p:sldIdLst>
   <p:sldSz cx="12192000" cy="6858000"/>
   <p:notesSz cx="6858000" cy="9144000"/>
@@ -122,6 +133,11 @@
       </a:defRPr>
     </a:lvl9pPr>
   </p:defaultTextStyle>
+  <p:extLst>
+    <p:ext uri="{EFAFB233-063F-42B5-8137-9DF3F51BA10A}">
+      <p15:sldGuideLst xmlns:p15="http://schemas.microsoft.com/office/powerpoint/2012/main"/>
+    </p:ext>
+  </p:extLst>
 </p:presentation>
 </file>
 
@@ -256,7 +272,7 @@
           <a:p>
             <a:fld id="{3A9ECAF3-8616-4418-BA34-8087427CD5D9}" type="datetimeFigureOut">
               <a:rPr lang="ru-RU" smtClean="0"/>
-              <a:t>20.10.2019</a:t>
+              <a:t>24.10.2019</a:t>
             </a:fld>
             <a:endParaRPr lang="ru-RU"/>
           </a:p>
@@ -426,7 +442,7 @@
           <a:p>
             <a:fld id="{3A9ECAF3-8616-4418-BA34-8087427CD5D9}" type="datetimeFigureOut">
               <a:rPr lang="ru-RU" smtClean="0"/>
-              <a:t>20.10.2019</a:t>
+              <a:t>24.10.2019</a:t>
             </a:fld>
             <a:endParaRPr lang="ru-RU"/>
           </a:p>
@@ -606,7 +622,7 @@
           <a:p>
             <a:fld id="{3A9ECAF3-8616-4418-BA34-8087427CD5D9}" type="datetimeFigureOut">
               <a:rPr lang="ru-RU" smtClean="0"/>
-              <a:t>20.10.2019</a:t>
+              <a:t>24.10.2019</a:t>
             </a:fld>
             <a:endParaRPr lang="ru-RU"/>
           </a:p>
@@ -776,7 +792,7 @@
           <a:p>
             <a:fld id="{3A9ECAF3-8616-4418-BA34-8087427CD5D9}" type="datetimeFigureOut">
               <a:rPr lang="ru-RU" smtClean="0"/>
-              <a:t>20.10.2019</a:t>
+              <a:t>24.10.2019</a:t>
             </a:fld>
             <a:endParaRPr lang="ru-RU"/>
           </a:p>
@@ -1022,7 +1038,7 @@
           <a:p>
             <a:fld id="{3A9ECAF3-8616-4418-BA34-8087427CD5D9}" type="datetimeFigureOut">
               <a:rPr lang="ru-RU" smtClean="0"/>
-              <a:t>20.10.2019</a:t>
+              <a:t>24.10.2019</a:t>
             </a:fld>
             <a:endParaRPr lang="ru-RU"/>
           </a:p>
@@ -1254,7 +1270,7 @@
           <a:p>
             <a:fld id="{3A9ECAF3-8616-4418-BA34-8087427CD5D9}" type="datetimeFigureOut">
               <a:rPr lang="ru-RU" smtClean="0"/>
-              <a:t>20.10.2019</a:t>
+              <a:t>24.10.2019</a:t>
             </a:fld>
             <a:endParaRPr lang="ru-RU"/>
           </a:p>
@@ -1621,7 +1637,7 @@
           <a:p>
             <a:fld id="{3A9ECAF3-8616-4418-BA34-8087427CD5D9}" type="datetimeFigureOut">
               <a:rPr lang="ru-RU" smtClean="0"/>
-              <a:t>20.10.2019</a:t>
+              <a:t>24.10.2019</a:t>
             </a:fld>
             <a:endParaRPr lang="ru-RU"/>
           </a:p>
@@ -1739,7 +1755,7 @@
           <a:p>
             <a:fld id="{3A9ECAF3-8616-4418-BA34-8087427CD5D9}" type="datetimeFigureOut">
               <a:rPr lang="ru-RU" smtClean="0"/>
-              <a:t>20.10.2019</a:t>
+              <a:t>24.10.2019</a:t>
             </a:fld>
             <a:endParaRPr lang="ru-RU"/>
           </a:p>
@@ -1834,7 +1850,7 @@
           <a:p>
             <a:fld id="{3A9ECAF3-8616-4418-BA34-8087427CD5D9}" type="datetimeFigureOut">
               <a:rPr lang="ru-RU" smtClean="0"/>
-              <a:t>20.10.2019</a:t>
+              <a:t>24.10.2019</a:t>
             </a:fld>
             <a:endParaRPr lang="ru-RU"/>
           </a:p>
@@ -2111,7 +2127,7 @@
           <a:p>
             <a:fld id="{3A9ECAF3-8616-4418-BA34-8087427CD5D9}" type="datetimeFigureOut">
               <a:rPr lang="ru-RU" smtClean="0"/>
-              <a:t>20.10.2019</a:t>
+              <a:t>24.10.2019</a:t>
             </a:fld>
             <a:endParaRPr lang="ru-RU"/>
           </a:p>
@@ -2364,7 +2380,7 @@
           <a:p>
             <a:fld id="{3A9ECAF3-8616-4418-BA34-8087427CD5D9}" type="datetimeFigureOut">
               <a:rPr lang="ru-RU" smtClean="0"/>
-              <a:t>20.10.2019</a:t>
+              <a:t>24.10.2019</a:t>
             </a:fld>
             <a:endParaRPr lang="ru-RU"/>
           </a:p>
@@ -2577,7 +2593,7 @@
           <a:p>
             <a:fld id="{3A9ECAF3-8616-4418-BA34-8087427CD5D9}" type="datetimeFigureOut">
               <a:rPr lang="ru-RU" smtClean="0"/>
-              <a:t>20.10.2019</a:t>
+              <a:t>24.10.2019</a:t>
             </a:fld>
             <a:endParaRPr lang="ru-RU"/>
           </a:p>
@@ -3115,8 +3131,8 @@
         </p:blipFill>
         <p:spPr>
           <a:xfrm>
-            <a:off x="2021490" y="706582"/>
-            <a:ext cx="7520698" cy="5578267"/>
+            <a:off x="2092038" y="365125"/>
+            <a:ext cx="7683022" cy="6389947"/>
           </a:xfrm>
           <a:prstGeom prst="rect">
             <a:avLst/>
@@ -3126,7 +3142,7 @@
     </p:spTree>
     <p:extLst>
       <p:ext uri="{BB962C8B-B14F-4D97-AF65-F5344CB8AC3E}">
-        <p14:creationId xmlns:p14="http://schemas.microsoft.com/office/powerpoint/2010/main" val="456474863"/>
+        <p14:creationId xmlns:p14="http://schemas.microsoft.com/office/powerpoint/2010/main" val="2980377216"/>
       </p:ext>
     </p:extLst>
   </p:cSld>
@@ -3274,6 +3290,105 @@
           <a:bodyPr/>
           <a:lstStyle/>
           <a:p>
+            <a:endParaRPr lang="ru-RU"/>
+          </a:p>
+        </p:txBody>
+      </p:sp>
+      <p:sp>
+        <p:nvSpPr>
+          <p:cNvPr id="3" name="Объект 2"/>
+          <p:cNvSpPr>
+            <a:spLocks noGrp="1"/>
+          </p:cNvSpPr>
+          <p:nvPr>
+            <p:ph idx="1"/>
+          </p:nvPr>
+        </p:nvSpPr>
+        <p:spPr/>
+        <p:txBody>
+          <a:bodyPr/>
+          <a:lstStyle/>
+          <a:p>
+            <a:endParaRPr lang="ru-RU"/>
+          </a:p>
+        </p:txBody>
+      </p:sp>
+      <p:pic>
+        <p:nvPicPr>
+          <p:cNvPr id="4" name="Рисунок 3"/>
+          <p:cNvPicPr>
+            <a:picLocks noChangeAspect="1"/>
+          </p:cNvPicPr>
+          <p:nvPr/>
+        </p:nvPicPr>
+        <p:blipFill>
+          <a:blip r:embed="rId2"/>
+          <a:stretch>
+            <a:fillRect/>
+          </a:stretch>
+        </p:blipFill>
+        <p:spPr>
+          <a:xfrm>
+            <a:off x="2021490" y="706582"/>
+            <a:ext cx="7520698" cy="5578267"/>
+          </a:xfrm>
+          <a:prstGeom prst="rect">
+            <a:avLst/>
+          </a:prstGeom>
+        </p:spPr>
+      </p:pic>
+    </p:spTree>
+    <p:extLst>
+      <p:ext uri="{BB962C8B-B14F-4D97-AF65-F5344CB8AC3E}">
+        <p14:creationId xmlns:p14="http://schemas.microsoft.com/office/powerpoint/2010/main" val="456474863"/>
+      </p:ext>
+    </p:extLst>
+  </p:cSld>
+  <p:clrMapOvr>
+    <a:masterClrMapping/>
+  </p:clrMapOvr>
+  <p:timing>
+    <p:tnLst>
+      <p:par>
+        <p:cTn id="1" dur="indefinite" restart="never" nodeType="tmRoot"/>
+      </p:par>
+    </p:tnLst>
+  </p:timing>
+</p:sld>
+</file>
+
+<file path=ppt/slides/slide13.xml><?xml version="1.0" encoding="utf-8"?>
+<p:sld xmlns:a="http://schemas.openxmlformats.org/drawingml/2006/main" xmlns:r="http://schemas.openxmlformats.org/officeDocument/2006/relationships" xmlns:p="http://schemas.openxmlformats.org/presentationml/2006/main">
+  <p:cSld>
+    <p:spTree>
+      <p:nvGrpSpPr>
+        <p:cNvPr id="1" name=""/>
+        <p:cNvGrpSpPr/>
+        <p:nvPr/>
+      </p:nvGrpSpPr>
+      <p:grpSpPr>
+        <a:xfrm>
+          <a:off x="0" y="0"/>
+          <a:ext cx="0" cy="0"/>
+          <a:chOff x="0" y="0"/>
+          <a:chExt cx="0" cy="0"/>
+        </a:xfrm>
+      </p:grpSpPr>
+      <p:sp>
+        <p:nvSpPr>
+          <p:cNvPr id="2" name="Заголовок 1"/>
+          <p:cNvSpPr>
+            <a:spLocks noGrp="1"/>
+          </p:cNvSpPr>
+          <p:nvPr>
+            <p:ph type="title"/>
+          </p:nvPr>
+        </p:nvSpPr>
+        <p:spPr/>
+        <p:txBody>
+          <a:bodyPr/>
+          <a:lstStyle/>
+          <a:p>
             <a:r>
               <a:rPr lang="ru-RU" dirty="0" smtClean="0"/>
               <a:t>Плюсы и минусы</a:t>
@@ -3377,7 +3492,7 @@
 </p:sld>
 </file>
 
-<file path=ppt/slides/slide13.xml><?xml version="1.0" encoding="utf-8"?>
+<file path=ppt/slides/slide14.xml><?xml version="1.0" encoding="utf-8"?>
 <p:sld xmlns:a="http://schemas.openxmlformats.org/drawingml/2006/main" xmlns:r="http://schemas.openxmlformats.org/officeDocument/2006/relationships" xmlns:p="http://schemas.openxmlformats.org/presentationml/2006/main">
   <p:cSld>
     <p:spTree>
@@ -3459,7 +3574,7 @@
 </p:sld>
 </file>
 
-<file path=ppt/slides/slide14.xml><?xml version="1.0" encoding="utf-8"?>
+<file path=ppt/slides/slide15.xml><?xml version="1.0" encoding="utf-8"?>
 <p:sld xmlns:a="http://schemas.openxmlformats.org/drawingml/2006/main" xmlns:r="http://schemas.openxmlformats.org/officeDocument/2006/relationships" xmlns:p="http://schemas.openxmlformats.org/presentationml/2006/main">
   <p:cSld>
     <p:spTree>
@@ -3562,7 +3677,7 @@
 </p:sld>
 </file>
 
-<file path=ppt/slides/slide15.xml><?xml version="1.0" encoding="utf-8"?>
+<file path=ppt/slides/slide16.xml><?xml version="1.0" encoding="utf-8"?>
 <p:sld xmlns:a="http://schemas.openxmlformats.org/drawingml/2006/main" xmlns:r="http://schemas.openxmlformats.org/officeDocument/2006/relationships" xmlns:p="http://schemas.openxmlformats.org/presentationml/2006/main">
   <p:cSld>
     <p:spTree>
@@ -3651,7 +3766,7 @@
 </p:sld>
 </file>
 
-<file path=ppt/slides/slide16.xml><?xml version="1.0" encoding="utf-8"?>
+<file path=ppt/slides/slide17.xml><?xml version="1.0" encoding="utf-8"?>
 <p:sld xmlns:a="http://schemas.openxmlformats.org/drawingml/2006/main" xmlns:r="http://schemas.openxmlformats.org/officeDocument/2006/relationships" xmlns:p="http://schemas.openxmlformats.org/presentationml/2006/main">
   <p:cSld>
     <p:spTree>
@@ -3830,7 +3945,7 @@
 </p:sld>
 </file>
 
-<file path=ppt/slides/slide17.xml><?xml version="1.0" encoding="utf-8"?>
+<file path=ppt/slides/slide18.xml><?xml version="1.0" encoding="utf-8"?>
 <p:sld xmlns:a="http://schemas.openxmlformats.org/drawingml/2006/main" xmlns:r="http://schemas.openxmlformats.org/officeDocument/2006/relationships" xmlns:p="http://schemas.openxmlformats.org/presentationml/2006/main">
   <p:cSld>
     <p:spTree>
@@ -3937,7 +4052,7 @@
 </p:sld>
 </file>
 
-<file path=ppt/slides/slide18.xml><?xml version="1.0" encoding="utf-8"?>
+<file path=ppt/slides/slide19.xml><?xml version="1.0" encoding="utf-8"?>
 <p:sld xmlns:a="http://schemas.openxmlformats.org/drawingml/2006/main" xmlns:r="http://schemas.openxmlformats.org/officeDocument/2006/relationships" xmlns:p="http://schemas.openxmlformats.org/presentationml/2006/main">
   <p:cSld>
     <p:spTree>
@@ -4044,7 +4159,7 @@
 </p:sld>
 </file>
 
-<file path=ppt/slides/slide19.xml><?xml version="1.0" encoding="utf-8"?>
+<file path=ppt/slides/slide2.xml><?xml version="1.0" encoding="utf-8"?>
 <p:sld xmlns:a="http://schemas.openxmlformats.org/drawingml/2006/main" xmlns:r="http://schemas.openxmlformats.org/officeDocument/2006/relationships" xmlns:p="http://schemas.openxmlformats.org/presentationml/2006/main">
   <p:cSld>
     <p:spTree>
@@ -4076,7 +4191,11 @@
           <a:bodyPr/>
           <a:lstStyle/>
           <a:p>
-            <a:endParaRPr lang="ru-RU"/>
+            <a:r>
+              <a:rPr lang="ru-RU" dirty="0" smtClean="0"/>
+              <a:t>Содержание</a:t>
+            </a:r>
+            <a:endParaRPr lang="ru-RU" dirty="0"/>
           </a:p>
         </p:txBody>
       </p:sp>
@@ -4095,10 +4214,249 @@
           <a:bodyPr/>
           <a:lstStyle/>
           <a:p>
-            <a:endParaRPr lang="ru-RU"/>
-          </a:p>
-        </p:txBody>
-      </p:sp>
+            <a:r>
+              <a:rPr lang="ru-RU" dirty="0" smtClean="0"/>
+              <a:t>Множественная вставка средствами </a:t>
+            </a:r>
+            <a:r>
+              <a:rPr lang="en-US" dirty="0" smtClean="0"/>
+              <a:t>Entity Framework</a:t>
+            </a:r>
+            <a:endParaRPr lang="ru-RU" dirty="0" smtClean="0"/>
+          </a:p>
+          <a:p>
+            <a:r>
+              <a:rPr lang="ru-RU" dirty="0" smtClean="0"/>
+              <a:t>Множественная вставка через процедуры на базе</a:t>
+            </a:r>
+          </a:p>
+          <a:p>
+            <a:r>
+              <a:rPr lang="ru-RU" dirty="0" smtClean="0"/>
+              <a:t>Бинарный </a:t>
+            </a:r>
+            <a:r>
+              <a:rPr lang="ru-RU" dirty="0" smtClean="0"/>
+              <a:t>импорт + </a:t>
+            </a:r>
+            <a:r>
+              <a:rPr lang="ru-RU" dirty="0" err="1" smtClean="0"/>
+              <a:t>партиционирование</a:t>
+            </a:r>
+            <a:endParaRPr lang="ru-RU" dirty="0" smtClean="0"/>
+          </a:p>
+        </p:txBody>
+      </p:sp>
+    </p:spTree>
+    <p:extLst>
+      <p:ext uri="{BB962C8B-B14F-4D97-AF65-F5344CB8AC3E}">
+        <p14:creationId xmlns:p14="http://schemas.microsoft.com/office/powerpoint/2010/main" val="930384886"/>
+      </p:ext>
+    </p:extLst>
+  </p:cSld>
+  <p:clrMapOvr>
+    <a:masterClrMapping/>
+  </p:clrMapOvr>
+  <p:timing>
+    <p:tnLst>
+      <p:par>
+        <p:cTn id="1" dur="indefinite" restart="never" nodeType="tmRoot"/>
+      </p:par>
+    </p:tnLst>
+  </p:timing>
+</p:sld>
+</file>
+
+<file path=ppt/slides/slide20.xml><?xml version="1.0" encoding="utf-8"?>
+<p:sld xmlns:a="http://schemas.openxmlformats.org/drawingml/2006/main" xmlns:r="http://schemas.openxmlformats.org/officeDocument/2006/relationships" xmlns:p="http://schemas.openxmlformats.org/presentationml/2006/main">
+  <p:cSld>
+    <p:spTree>
+      <p:nvGrpSpPr>
+        <p:cNvPr id="1" name=""/>
+        <p:cNvGrpSpPr/>
+        <p:nvPr/>
+      </p:nvGrpSpPr>
+      <p:grpSpPr>
+        <a:xfrm>
+          <a:off x="0" y="0"/>
+          <a:ext cx="0" cy="0"/>
+          <a:chOff x="0" y="0"/>
+          <a:chExt cx="0" cy="0"/>
+        </a:xfrm>
+      </p:grpSpPr>
+      <p:sp>
+        <p:nvSpPr>
+          <p:cNvPr id="2" name="Заголовок 1"/>
+          <p:cNvSpPr>
+            <a:spLocks noGrp="1"/>
+          </p:cNvSpPr>
+          <p:nvPr>
+            <p:ph type="title"/>
+          </p:nvPr>
+        </p:nvSpPr>
+        <p:spPr/>
+        <p:txBody>
+          <a:bodyPr/>
+          <a:lstStyle/>
+          <a:p>
+            <a:r>
+              <a:rPr lang="en-US" dirty="0" smtClean="0"/>
+              <a:t>Managed heap allocations</a:t>
+            </a:r>
+            <a:endParaRPr lang="ru-RU" dirty="0"/>
+          </a:p>
+        </p:txBody>
+      </p:sp>
+      <p:graphicFrame>
+        <p:nvGraphicFramePr>
+          <p:cNvPr id="4" name="Объект 3"/>
+          <p:cNvGraphicFramePr>
+            <a:graphicFrameLocks noGrp="1"/>
+          </p:cNvGraphicFramePr>
+          <p:nvPr>
+            <p:ph idx="1"/>
+            <p:extLst>
+              <p:ext uri="{D42A27DB-BD31-4B8C-83A1-F6EECF244321}">
+                <p14:modId xmlns:p14="http://schemas.microsoft.com/office/powerpoint/2010/main" val="3824612045"/>
+              </p:ext>
+            </p:extLst>
+          </p:nvPr>
+        </p:nvGraphicFramePr>
+        <p:xfrm>
+          <a:off x="838200" y="1825625"/>
+          <a:ext cx="10515600" cy="1457902"/>
+        </p:xfrm>
+        <a:graphic>
+          <a:graphicData uri="http://schemas.openxmlformats.org/drawingml/2006/table">
+            <a:tbl>
+              <a:tblPr firstRow="1" bandRow="1">
+                <a:tableStyleId>{5C22544A-7EE6-4342-B048-85BDC9FD1C3A}</a:tableStyleId>
+              </a:tblPr>
+              <a:tblGrid>
+                <a:gridCol w="3505200">
+                  <a:extLst>
+                    <a:ext uri="{9D8B030D-6E8A-4147-A177-3AD203B41FA5}">
+                      <a16:colId xmlns:a16="http://schemas.microsoft.com/office/drawing/2014/main" val="2259419413"/>
+                    </a:ext>
+                  </a:extLst>
+                </a:gridCol>
+                <a:gridCol w="3505200">
+                  <a:extLst>
+                    <a:ext uri="{9D8B030D-6E8A-4147-A177-3AD203B41FA5}">
+                      <a16:colId xmlns:a16="http://schemas.microsoft.com/office/drawing/2014/main" val="131475363"/>
+                    </a:ext>
+                  </a:extLst>
+                </a:gridCol>
+                <a:gridCol w="3505200">
+                  <a:extLst>
+                    <a:ext uri="{9D8B030D-6E8A-4147-A177-3AD203B41FA5}">
+                      <a16:colId xmlns:a16="http://schemas.microsoft.com/office/drawing/2014/main" val="2518490247"/>
+                    </a:ext>
+                  </a:extLst>
+                </a:gridCol>
+              </a:tblGrid>
+              <a:tr h="728951">
+                <a:tc>
+                  <a:txBody>
+                    <a:bodyPr/>
+                    <a:lstStyle/>
+                    <a:p>
+                      <a:r>
+                        <a:rPr lang="en-US" dirty="0" smtClean="0"/>
+                        <a:t>Entity Framework</a:t>
+                      </a:r>
+                      <a:endParaRPr lang="ru-RU" dirty="0"/>
+                    </a:p>
+                  </a:txBody>
+                  <a:tcPr/>
+                </a:tc>
+                <a:tc>
+                  <a:txBody>
+                    <a:bodyPr/>
+                    <a:lstStyle/>
+                    <a:p>
+                      <a:r>
+                        <a:rPr lang="en-US" dirty="0" smtClean="0"/>
+                        <a:t>Composite Types</a:t>
+                      </a:r>
+                      <a:endParaRPr lang="ru-RU" dirty="0"/>
+                    </a:p>
+                  </a:txBody>
+                  <a:tcPr/>
+                </a:tc>
+                <a:tc>
+                  <a:txBody>
+                    <a:bodyPr/>
+                    <a:lstStyle/>
+                    <a:p>
+                      <a:r>
+                        <a:rPr lang="en-US" dirty="0" smtClean="0"/>
+                        <a:t>Binary COPY</a:t>
+                      </a:r>
+                      <a:endParaRPr lang="ru-RU" dirty="0"/>
+                    </a:p>
+                  </a:txBody>
+                  <a:tcPr/>
+                </a:tc>
+                <a:extLst>
+                  <a:ext uri="{0D108BD9-81ED-4DB2-BD59-A6C34878D82A}">
+                    <a16:rowId xmlns:a16="http://schemas.microsoft.com/office/drawing/2014/main" val="3902412399"/>
+                  </a:ext>
+                </a:extLst>
+              </a:tr>
+              <a:tr h="728951">
+                <a:tc>
+                  <a:txBody>
+                    <a:bodyPr/>
+                    <a:lstStyle/>
+                    <a:p>
+                      <a:r>
+                        <a:rPr lang="en-US" dirty="0" smtClean="0"/>
+                        <a:t>130 MB</a:t>
+                      </a:r>
+                      <a:endParaRPr lang="ru-RU" dirty="0"/>
+                    </a:p>
+                  </a:txBody>
+                  <a:tcPr/>
+                </a:tc>
+                <a:tc>
+                  <a:txBody>
+                    <a:bodyPr/>
+                    <a:lstStyle/>
+                    <a:p>
+                      <a:r>
+                        <a:rPr lang="en-US" dirty="0" smtClean="0"/>
+                        <a:t>20 MB</a:t>
+                      </a:r>
+                      <a:endParaRPr lang="ru-RU" dirty="0"/>
+                    </a:p>
+                  </a:txBody>
+                  <a:tcPr/>
+                </a:tc>
+                <a:tc>
+                  <a:txBody>
+                    <a:bodyPr/>
+                    <a:lstStyle/>
+                    <a:p>
+                      <a:r>
+                        <a:rPr lang="en-US" dirty="0" smtClean="0"/>
+                        <a:t>21 MB</a:t>
+                      </a:r>
+                      <a:endParaRPr lang="ru-RU" dirty="0"/>
+                    </a:p>
+                  </a:txBody>
+                  <a:tcPr/>
+                </a:tc>
+                <a:extLst>
+                  <a:ext uri="{0D108BD9-81ED-4DB2-BD59-A6C34878D82A}">
+                    <a16:rowId xmlns:a16="http://schemas.microsoft.com/office/drawing/2014/main" val="1253079523"/>
+                  </a:ext>
+                </a:extLst>
+              </a:tr>
+            </a:tbl>
+          </a:graphicData>
+        </a:graphic>
+      </p:graphicFrame>
     </p:spTree>
     <p:extLst>
       <p:ext uri="{BB962C8B-B14F-4D97-AF65-F5344CB8AC3E}">
@@ -4119,7 +4477,7 @@
 </p:sld>
 </file>
 
-<file path=ppt/slides/slide2.xml><?xml version="1.0" encoding="utf-8"?>
+<file path=ppt/slides/slide21.xml><?xml version="1.0" encoding="utf-8"?>
 <p:sld xmlns:a="http://schemas.openxmlformats.org/drawingml/2006/main" xmlns:r="http://schemas.openxmlformats.org/officeDocument/2006/relationships" xmlns:p="http://schemas.openxmlformats.org/presentationml/2006/main">
   <p:cSld>
     <p:spTree>
@@ -4151,90 +4509,833 @@
           <a:bodyPr/>
           <a:lstStyle/>
           <a:p>
-            <a:r>
-              <a:rPr lang="ru-RU" dirty="0" smtClean="0"/>
-              <a:t>Содержание</a:t>
-            </a:r>
-            <a:endParaRPr lang="ru-RU" dirty="0"/>
-          </a:p>
-        </p:txBody>
-      </p:sp>
-      <p:sp>
-        <p:nvSpPr>
-          <p:cNvPr id="3" name="Объект 2"/>
-          <p:cNvSpPr>
-            <a:spLocks noGrp="1"/>
-          </p:cNvSpPr>
+            <a:endParaRPr lang="ru-RU"/>
+          </a:p>
+        </p:txBody>
+      </p:sp>
+      <p:pic>
+        <p:nvPicPr>
+          <p:cNvPr id="4" name="Объект 3"/>
+          <p:cNvPicPr>
+            <a:picLocks noGrp="1" noChangeAspect="1"/>
+          </p:cNvPicPr>
           <p:nvPr>
             <p:ph idx="1"/>
           </p:nvPr>
-        </p:nvSpPr>
-        <p:spPr/>
-        <p:txBody>
-          <a:bodyPr/>
-          <a:lstStyle/>
-          <a:p>
-            <a:r>
-              <a:rPr lang="ru-RU" dirty="0" smtClean="0"/>
-              <a:t>Множественная вставка средствами </a:t>
-            </a:r>
-            <a:r>
-              <a:rPr lang="en-US" dirty="0" smtClean="0"/>
-              <a:t>Entity Framework</a:t>
-            </a:r>
-            <a:endParaRPr lang="ru-RU" dirty="0" smtClean="0"/>
-          </a:p>
-          <a:p>
-            <a:r>
-              <a:rPr lang="ru-RU" dirty="0" smtClean="0"/>
-              <a:t>Множественная вставка через процедуры на базе</a:t>
-            </a:r>
-          </a:p>
-          <a:p>
-            <a:r>
-              <a:rPr lang="ru-RU" dirty="0" smtClean="0"/>
-              <a:t>Бинарный импорт</a:t>
-            </a:r>
-          </a:p>
-          <a:p>
-            <a:r>
-              <a:rPr lang="ru-RU" dirty="0" err="1" smtClean="0"/>
-              <a:t>Партиционирование</a:t>
-            </a:r>
-            <a:endParaRPr lang="ru-RU" dirty="0" smtClean="0"/>
-          </a:p>
-          <a:p>
-            <a:r>
-              <a:rPr lang="ru-RU" dirty="0" smtClean="0"/>
-              <a:t>Бинарный импорт + </a:t>
-            </a:r>
-            <a:r>
-              <a:rPr lang="ru-RU" dirty="0" err="1" smtClean="0"/>
-              <a:t>партиционирование</a:t>
-            </a:r>
-            <a:endParaRPr lang="ru-RU" dirty="0" smtClean="0"/>
-          </a:p>
-          <a:p>
-            <a:r>
-              <a:rPr lang="ru-RU" dirty="0" smtClean="0"/>
-              <a:t>Новое в </a:t>
-            </a:r>
-            <a:r>
-              <a:rPr lang="en-US" dirty="0" err="1" smtClean="0"/>
-              <a:t>Postgres</a:t>
-            </a:r>
-            <a:r>
-              <a:rPr lang="en-US" dirty="0" smtClean="0"/>
-              <a:t> 12</a:t>
-            </a:r>
-            <a:endParaRPr lang="ru-RU" dirty="0"/>
-          </a:p>
-        </p:txBody>
-      </p:sp>
+        </p:nvPicPr>
+        <p:blipFill>
+          <a:blip r:embed="rId2"/>
+          <a:stretch>
+            <a:fillRect/>
+          </a:stretch>
+        </p:blipFill>
+        <p:spPr>
+          <a:xfrm>
+            <a:off x="1368535" y="554183"/>
+            <a:ext cx="9454930" cy="5525044"/>
+          </a:xfrm>
+          <a:prstGeom prst="rect">
+            <a:avLst/>
+          </a:prstGeom>
+        </p:spPr>
+      </p:pic>
     </p:spTree>
     <p:extLst>
       <p:ext uri="{BB962C8B-B14F-4D97-AF65-F5344CB8AC3E}">
-        <p14:creationId xmlns:p14="http://schemas.microsoft.com/office/powerpoint/2010/main" val="930384886"/>
+        <p14:creationId xmlns:p14="http://schemas.microsoft.com/office/powerpoint/2010/main" val="2160170783"/>
+      </p:ext>
+    </p:extLst>
+  </p:cSld>
+  <p:clrMapOvr>
+    <a:masterClrMapping/>
+  </p:clrMapOvr>
+  <p:timing>
+    <p:tnLst>
+      <p:par>
+        <p:cTn id="1" dur="indefinite" restart="never" nodeType="tmRoot"/>
+      </p:par>
+    </p:tnLst>
+  </p:timing>
+</p:sld>
+</file>
+
+<file path=ppt/slides/slide22.xml><?xml version="1.0" encoding="utf-8"?>
+<p:sld xmlns:a="http://schemas.openxmlformats.org/drawingml/2006/main" xmlns:r="http://schemas.openxmlformats.org/officeDocument/2006/relationships" xmlns:p="http://schemas.openxmlformats.org/presentationml/2006/main">
+  <p:cSld>
+    <p:spTree>
+      <p:nvGrpSpPr>
+        <p:cNvPr id="1" name=""/>
+        <p:cNvGrpSpPr/>
+        <p:nvPr/>
+      </p:nvGrpSpPr>
+      <p:grpSpPr>
+        <a:xfrm>
+          <a:off x="0" y="0"/>
+          <a:ext cx="0" cy="0"/>
+          <a:chOff x="0" y="0"/>
+          <a:chExt cx="0" cy="0"/>
+        </a:xfrm>
+      </p:grpSpPr>
+      <p:sp>
+        <p:nvSpPr>
+          <p:cNvPr id="2" name="Заголовок 1"/>
+          <p:cNvSpPr>
+            <a:spLocks noGrp="1"/>
+          </p:cNvSpPr>
+          <p:nvPr>
+            <p:ph type="title"/>
+          </p:nvPr>
+        </p:nvSpPr>
+        <p:spPr/>
+        <p:txBody>
+          <a:bodyPr/>
+          <a:lstStyle/>
+          <a:p>
+            <a:endParaRPr lang="ru-RU"/>
+          </a:p>
+        </p:txBody>
+      </p:sp>
+      <p:pic>
+        <p:nvPicPr>
+          <p:cNvPr id="6" name="Объект 5"/>
+          <p:cNvPicPr>
+            <a:picLocks noGrp="1" noChangeAspect="1"/>
+          </p:cNvPicPr>
+          <p:nvPr>
+            <p:ph idx="1"/>
+          </p:nvPr>
+        </p:nvPicPr>
+        <p:blipFill>
+          <a:blip r:embed="rId2"/>
+          <a:stretch>
+            <a:fillRect/>
+          </a:stretch>
+        </p:blipFill>
+        <p:spPr>
+          <a:xfrm>
+            <a:off x="838200" y="1798556"/>
+            <a:ext cx="10864047" cy="3363166"/>
+          </a:xfrm>
+          <a:prstGeom prst="rect">
+            <a:avLst/>
+          </a:prstGeom>
+        </p:spPr>
+      </p:pic>
+    </p:spTree>
+    <p:extLst>
+      <p:ext uri="{BB962C8B-B14F-4D97-AF65-F5344CB8AC3E}">
+        <p14:creationId xmlns:p14="http://schemas.microsoft.com/office/powerpoint/2010/main" val="3144014361"/>
+      </p:ext>
+    </p:extLst>
+  </p:cSld>
+  <p:clrMapOvr>
+    <a:masterClrMapping/>
+  </p:clrMapOvr>
+  <p:timing>
+    <p:tnLst>
+      <p:par>
+        <p:cTn id="1" dur="indefinite" restart="never" nodeType="tmRoot"/>
+      </p:par>
+    </p:tnLst>
+  </p:timing>
+</p:sld>
+</file>
+
+<file path=ppt/slides/slide23.xml><?xml version="1.0" encoding="utf-8"?>
+<p:sld xmlns:a="http://schemas.openxmlformats.org/drawingml/2006/main" xmlns:r="http://schemas.openxmlformats.org/officeDocument/2006/relationships" xmlns:p="http://schemas.openxmlformats.org/presentationml/2006/main">
+  <p:cSld>
+    <p:spTree>
+      <p:nvGrpSpPr>
+        <p:cNvPr id="1" name=""/>
+        <p:cNvGrpSpPr/>
+        <p:nvPr/>
+      </p:nvGrpSpPr>
+      <p:grpSpPr>
+        <a:xfrm>
+          <a:off x="0" y="0"/>
+          <a:ext cx="0" cy="0"/>
+          <a:chOff x="0" y="0"/>
+          <a:chExt cx="0" cy="0"/>
+        </a:xfrm>
+      </p:grpSpPr>
+      <p:sp>
+        <p:nvSpPr>
+          <p:cNvPr id="2" name="Заголовок 1"/>
+          <p:cNvSpPr>
+            <a:spLocks noGrp="1"/>
+          </p:cNvSpPr>
+          <p:nvPr>
+            <p:ph type="title"/>
+          </p:nvPr>
+        </p:nvSpPr>
+        <p:spPr/>
+        <p:txBody>
+          <a:bodyPr/>
+          <a:lstStyle/>
+          <a:p>
+            <a:endParaRPr lang="ru-RU"/>
+          </a:p>
+        </p:txBody>
+      </p:sp>
+      <p:pic>
+        <p:nvPicPr>
+          <p:cNvPr id="6" name="Объект 5"/>
+          <p:cNvPicPr>
+            <a:picLocks noGrp="1" noChangeAspect="1"/>
+          </p:cNvPicPr>
+          <p:nvPr>
+            <p:ph idx="1"/>
+          </p:nvPr>
+        </p:nvPicPr>
+        <p:blipFill>
+          <a:blip r:embed="rId2">
+            <a:extLst>
+              <a:ext uri="{28A0092B-C50C-407E-A947-70E740481C1C}">
+                <a14:useLocalDpi xmlns:a14="http://schemas.microsoft.com/office/drawing/2010/main" val="0"/>
+              </a:ext>
+            </a:extLst>
+          </a:blip>
+          <a:stretch>
+            <a:fillRect/>
+          </a:stretch>
+        </p:blipFill>
+        <p:spPr>
+          <a:xfrm>
+            <a:off x="164153" y="1524001"/>
+            <a:ext cx="11863694" cy="4161920"/>
+          </a:xfrm>
+        </p:spPr>
+      </p:pic>
+    </p:spTree>
+    <p:extLst>
+      <p:ext uri="{BB962C8B-B14F-4D97-AF65-F5344CB8AC3E}">
+        <p14:creationId xmlns:p14="http://schemas.microsoft.com/office/powerpoint/2010/main" val="1021932816"/>
+      </p:ext>
+    </p:extLst>
+  </p:cSld>
+  <p:clrMapOvr>
+    <a:masterClrMapping/>
+  </p:clrMapOvr>
+  <p:timing>
+    <p:tnLst>
+      <p:par>
+        <p:cTn id="1" dur="indefinite" restart="never" nodeType="tmRoot"/>
+      </p:par>
+    </p:tnLst>
+  </p:timing>
+</p:sld>
+</file>
+
+<file path=ppt/slides/slide24.xml><?xml version="1.0" encoding="utf-8"?>
+<p:sld xmlns:a="http://schemas.openxmlformats.org/drawingml/2006/main" xmlns:r="http://schemas.openxmlformats.org/officeDocument/2006/relationships" xmlns:p="http://schemas.openxmlformats.org/presentationml/2006/main">
+  <p:cSld>
+    <p:spTree>
+      <p:nvGrpSpPr>
+        <p:cNvPr id="1" name=""/>
+        <p:cNvGrpSpPr/>
+        <p:nvPr/>
+      </p:nvGrpSpPr>
+      <p:grpSpPr>
+        <a:xfrm>
+          <a:off x="0" y="0"/>
+          <a:ext cx="0" cy="0"/>
+          <a:chOff x="0" y="0"/>
+          <a:chExt cx="0" cy="0"/>
+        </a:xfrm>
+      </p:grpSpPr>
+      <p:sp>
+        <p:nvSpPr>
+          <p:cNvPr id="2" name="Заголовок 1"/>
+          <p:cNvSpPr>
+            <a:spLocks noGrp="1"/>
+          </p:cNvSpPr>
+          <p:nvPr>
+            <p:ph type="title"/>
+          </p:nvPr>
+        </p:nvSpPr>
+        <p:spPr/>
+        <p:txBody>
+          <a:bodyPr/>
+          <a:lstStyle/>
+          <a:p>
+            <a:r>
+              <a:rPr lang="en-US" dirty="0" smtClean="0"/>
+              <a:t>SWAP</a:t>
+            </a:r>
+            <a:endParaRPr lang="ru-RU" dirty="0"/>
+          </a:p>
+        </p:txBody>
+      </p:sp>
+      <p:sp>
+        <p:nvSpPr>
+          <p:cNvPr id="3" name="Объект 2"/>
+          <p:cNvSpPr>
+            <a:spLocks noGrp="1"/>
+          </p:cNvSpPr>
+          <p:nvPr>
+            <p:ph idx="1"/>
+          </p:nvPr>
+        </p:nvSpPr>
+        <p:spPr/>
+        <p:txBody>
+          <a:bodyPr/>
+          <a:lstStyle/>
+          <a:p>
+            <a:r>
+              <a:rPr lang="en-US" dirty="0" smtClean="0"/>
+              <a:t>CPU</a:t>
+            </a:r>
+            <a:r>
+              <a:rPr lang="ru-RU" dirty="0" smtClean="0"/>
+              <a:t> </a:t>
+            </a:r>
+            <a:r>
+              <a:rPr lang="en-US" dirty="0" smtClean="0"/>
+              <a:t>full-time </a:t>
+            </a:r>
+            <a:r>
+              <a:rPr lang="ru-RU" dirty="0" smtClean="0"/>
+              <a:t>выполняет задачи высокого приоритета</a:t>
+            </a:r>
+          </a:p>
+          <a:p>
+            <a:r>
+              <a:rPr lang="en-US" dirty="0" smtClean="0"/>
+              <a:t>CPU </a:t>
+            </a:r>
+            <a:r>
+              <a:rPr lang="ru-RU" dirty="0" smtClean="0"/>
+              <a:t>активен 90-100% времени </a:t>
+            </a:r>
+          </a:p>
+          <a:p>
+            <a:r>
+              <a:rPr lang="ru-RU" dirty="0" smtClean="0"/>
+              <a:t>Износ систем охлаждения</a:t>
+            </a:r>
+            <a:endParaRPr lang="ru-RU" dirty="0"/>
+          </a:p>
+        </p:txBody>
+      </p:sp>
+    </p:spTree>
+    <p:extLst>
+      <p:ext uri="{BB962C8B-B14F-4D97-AF65-F5344CB8AC3E}">
+        <p14:creationId xmlns:p14="http://schemas.microsoft.com/office/powerpoint/2010/main" val="1031595931"/>
+      </p:ext>
+    </p:extLst>
+  </p:cSld>
+  <p:clrMapOvr>
+    <a:masterClrMapping/>
+  </p:clrMapOvr>
+  <p:timing>
+    <p:tnLst>
+      <p:par>
+        <p:cTn id="1" dur="indefinite" restart="never" nodeType="tmRoot"/>
+      </p:par>
+    </p:tnLst>
+  </p:timing>
+</p:sld>
+</file>
+
+<file path=ppt/slides/slide25.xml><?xml version="1.0" encoding="utf-8"?>
+<p:sld xmlns:a="http://schemas.openxmlformats.org/drawingml/2006/main" xmlns:r="http://schemas.openxmlformats.org/officeDocument/2006/relationships" xmlns:p="http://schemas.openxmlformats.org/presentationml/2006/main">
+  <p:cSld>
+    <p:spTree>
+      <p:nvGrpSpPr>
+        <p:cNvPr id="1" name=""/>
+        <p:cNvGrpSpPr/>
+        <p:nvPr/>
+      </p:nvGrpSpPr>
+      <p:grpSpPr>
+        <a:xfrm>
+          <a:off x="0" y="0"/>
+          <a:ext cx="0" cy="0"/>
+          <a:chOff x="0" y="0"/>
+          <a:chExt cx="0" cy="0"/>
+        </a:xfrm>
+      </p:grpSpPr>
+      <p:sp>
+        <p:nvSpPr>
+          <p:cNvPr id="2" name="Заголовок 1"/>
+          <p:cNvSpPr>
+            <a:spLocks noGrp="1"/>
+          </p:cNvSpPr>
+          <p:nvPr>
+            <p:ph type="title"/>
+          </p:nvPr>
+        </p:nvSpPr>
+        <p:spPr/>
+        <p:txBody>
+          <a:bodyPr/>
+          <a:lstStyle/>
+          <a:p>
+            <a:endParaRPr lang="ru-RU"/>
+          </a:p>
+        </p:txBody>
+      </p:sp>
+      <p:pic>
+        <p:nvPicPr>
+          <p:cNvPr id="6" name="Объект 5"/>
+          <p:cNvPicPr>
+            <a:picLocks noGrp="1" noChangeAspect="1"/>
+          </p:cNvPicPr>
+          <p:nvPr>
+            <p:ph idx="1"/>
+          </p:nvPr>
+        </p:nvPicPr>
+        <p:blipFill>
+          <a:blip r:embed="rId2">
+            <a:extLst>
+              <a:ext uri="{28A0092B-C50C-407E-A947-70E740481C1C}">
+                <a14:useLocalDpi xmlns:a14="http://schemas.microsoft.com/office/drawing/2010/main" val="0"/>
+              </a:ext>
+            </a:extLst>
+          </a:blip>
+          <a:stretch>
+            <a:fillRect/>
+          </a:stretch>
+        </p:blipFill>
+        <p:spPr>
+          <a:xfrm>
+            <a:off x="1144559" y="1330036"/>
+            <a:ext cx="9394062" cy="4164085"/>
+          </a:xfrm>
+        </p:spPr>
+      </p:pic>
+    </p:spTree>
+    <p:extLst>
+      <p:ext uri="{BB962C8B-B14F-4D97-AF65-F5344CB8AC3E}">
+        <p14:creationId xmlns:p14="http://schemas.microsoft.com/office/powerpoint/2010/main" val="1108777180"/>
+      </p:ext>
+    </p:extLst>
+  </p:cSld>
+  <p:clrMapOvr>
+    <a:masterClrMapping/>
+  </p:clrMapOvr>
+  <p:timing>
+    <p:tnLst>
+      <p:par>
+        <p:cTn id="1" dur="indefinite" restart="never" nodeType="tmRoot"/>
+      </p:par>
+    </p:tnLst>
+  </p:timing>
+</p:sld>
+</file>
+
+<file path=ppt/slides/slide26.xml><?xml version="1.0" encoding="utf-8"?>
+<p:sld xmlns:a="http://schemas.openxmlformats.org/drawingml/2006/main" xmlns:r="http://schemas.openxmlformats.org/officeDocument/2006/relationships" xmlns:p="http://schemas.openxmlformats.org/presentationml/2006/main">
+  <p:cSld>
+    <p:spTree>
+      <p:nvGrpSpPr>
+        <p:cNvPr id="1" name=""/>
+        <p:cNvGrpSpPr/>
+        <p:nvPr/>
+      </p:nvGrpSpPr>
+      <p:grpSpPr>
+        <a:xfrm>
+          <a:off x="0" y="0"/>
+          <a:ext cx="0" cy="0"/>
+          <a:chOff x="0" y="0"/>
+          <a:chExt cx="0" cy="0"/>
+        </a:xfrm>
+      </p:grpSpPr>
+      <p:sp>
+        <p:nvSpPr>
+          <p:cNvPr id="2" name="Заголовок 1"/>
+          <p:cNvSpPr>
+            <a:spLocks noGrp="1"/>
+          </p:cNvSpPr>
+          <p:nvPr>
+            <p:ph type="title"/>
+          </p:nvPr>
+        </p:nvSpPr>
+        <p:spPr/>
+        <p:txBody>
+          <a:bodyPr/>
+          <a:lstStyle/>
+          <a:p>
+            <a:endParaRPr lang="ru-RU"/>
+          </a:p>
+        </p:txBody>
+      </p:sp>
+      <p:sp>
+        <p:nvSpPr>
+          <p:cNvPr id="3" name="Объект 2"/>
+          <p:cNvSpPr>
+            <a:spLocks noGrp="1"/>
+          </p:cNvSpPr>
+          <p:nvPr>
+            <p:ph idx="1"/>
+          </p:nvPr>
+        </p:nvSpPr>
+        <p:spPr/>
+        <p:txBody>
+          <a:bodyPr/>
+          <a:lstStyle/>
+          <a:p>
+            <a:endParaRPr lang="ru-RU"/>
+          </a:p>
+        </p:txBody>
+      </p:sp>
+      <p:pic>
+        <p:nvPicPr>
+          <p:cNvPr id="4" name="Рисунок 3"/>
+          <p:cNvPicPr>
+            <a:picLocks noChangeAspect="1"/>
+          </p:cNvPicPr>
+          <p:nvPr/>
+        </p:nvPicPr>
+        <p:blipFill>
+          <a:blip r:embed="rId2"/>
+          <a:stretch>
+            <a:fillRect/>
+          </a:stretch>
+        </p:blipFill>
+        <p:spPr>
+          <a:xfrm>
+            <a:off x="1300788" y="1136334"/>
+            <a:ext cx="9590423" cy="4131054"/>
+          </a:xfrm>
+          <a:prstGeom prst="rect">
+            <a:avLst/>
+          </a:prstGeom>
+        </p:spPr>
+      </p:pic>
+    </p:spTree>
+    <p:extLst>
+      <p:ext uri="{BB962C8B-B14F-4D97-AF65-F5344CB8AC3E}">
+        <p14:creationId xmlns:p14="http://schemas.microsoft.com/office/powerpoint/2010/main" val="1663235049"/>
+      </p:ext>
+    </p:extLst>
+  </p:cSld>
+  <p:clrMapOvr>
+    <a:masterClrMapping/>
+  </p:clrMapOvr>
+  <p:timing>
+    <p:tnLst>
+      <p:par>
+        <p:cTn id="1" dur="indefinite" restart="never" nodeType="tmRoot"/>
+      </p:par>
+    </p:tnLst>
+  </p:timing>
+</p:sld>
+</file>
+
+<file path=ppt/slides/slide27.xml><?xml version="1.0" encoding="utf-8"?>
+<p:sld xmlns:a="http://schemas.openxmlformats.org/drawingml/2006/main" xmlns:r="http://schemas.openxmlformats.org/officeDocument/2006/relationships" xmlns:p="http://schemas.openxmlformats.org/presentationml/2006/main">
+  <p:cSld>
+    <p:spTree>
+      <p:nvGrpSpPr>
+        <p:cNvPr id="1" name=""/>
+        <p:cNvGrpSpPr/>
+        <p:nvPr/>
+      </p:nvGrpSpPr>
+      <p:grpSpPr>
+        <a:xfrm>
+          <a:off x="0" y="0"/>
+          <a:ext cx="0" cy="0"/>
+          <a:chOff x="0" y="0"/>
+          <a:chExt cx="0" cy="0"/>
+        </a:xfrm>
+      </p:grpSpPr>
+      <p:sp>
+        <p:nvSpPr>
+          <p:cNvPr id="2" name="Заголовок 1"/>
+          <p:cNvSpPr>
+            <a:spLocks noGrp="1"/>
+          </p:cNvSpPr>
+          <p:nvPr>
+            <p:ph type="title"/>
+          </p:nvPr>
+        </p:nvSpPr>
+        <p:spPr/>
+        <p:txBody>
+          <a:bodyPr/>
+          <a:lstStyle/>
+          <a:p>
+            <a:endParaRPr lang="ru-RU"/>
+          </a:p>
+        </p:txBody>
+      </p:sp>
+      <p:pic>
+        <p:nvPicPr>
+          <p:cNvPr id="4" name="Объект 3"/>
+          <p:cNvPicPr>
+            <a:picLocks noGrp="1" noChangeAspect="1"/>
+          </p:cNvPicPr>
+          <p:nvPr>
+            <p:ph idx="1"/>
+          </p:nvPr>
+        </p:nvPicPr>
+        <p:blipFill>
+          <a:blip r:embed="rId2"/>
+          <a:stretch>
+            <a:fillRect/>
+          </a:stretch>
+        </p:blipFill>
+        <p:spPr>
+          <a:xfrm>
+            <a:off x="3189855" y="1386249"/>
+            <a:ext cx="5812290" cy="3995949"/>
+          </a:xfrm>
+          <a:prstGeom prst="rect">
+            <a:avLst/>
+          </a:prstGeom>
+        </p:spPr>
+      </p:pic>
+    </p:spTree>
+    <p:extLst>
+      <p:ext uri="{BB962C8B-B14F-4D97-AF65-F5344CB8AC3E}">
+        <p14:creationId xmlns:p14="http://schemas.microsoft.com/office/powerpoint/2010/main" val="2781810729"/>
+      </p:ext>
+    </p:extLst>
+  </p:cSld>
+  <p:clrMapOvr>
+    <a:masterClrMapping/>
+  </p:clrMapOvr>
+  <p:timing>
+    <p:tnLst>
+      <p:par>
+        <p:cTn id="1" dur="indefinite" restart="never" nodeType="tmRoot"/>
+      </p:par>
+    </p:tnLst>
+  </p:timing>
+</p:sld>
+</file>
+
+<file path=ppt/slides/slide28.xml><?xml version="1.0" encoding="utf-8"?>
+<p:sld xmlns:a="http://schemas.openxmlformats.org/drawingml/2006/main" xmlns:r="http://schemas.openxmlformats.org/officeDocument/2006/relationships" xmlns:p="http://schemas.openxmlformats.org/presentationml/2006/main">
+  <p:cSld>
+    <p:spTree>
+      <p:nvGrpSpPr>
+        <p:cNvPr id="1" name=""/>
+        <p:cNvGrpSpPr/>
+        <p:nvPr/>
+      </p:nvGrpSpPr>
+      <p:grpSpPr>
+        <a:xfrm>
+          <a:off x="0" y="0"/>
+          <a:ext cx="0" cy="0"/>
+          <a:chOff x="0" y="0"/>
+          <a:chExt cx="0" cy="0"/>
+        </a:xfrm>
+      </p:grpSpPr>
+      <p:sp>
+        <p:nvSpPr>
+          <p:cNvPr id="2" name="Заголовок 1"/>
+          <p:cNvSpPr>
+            <a:spLocks noGrp="1"/>
+          </p:cNvSpPr>
+          <p:nvPr>
+            <p:ph type="title"/>
+          </p:nvPr>
+        </p:nvSpPr>
+        <p:spPr/>
+        <p:txBody>
+          <a:bodyPr/>
+          <a:lstStyle/>
+          <a:p>
+            <a:endParaRPr lang="ru-RU"/>
+          </a:p>
+        </p:txBody>
+      </p:sp>
+      <p:sp>
+        <p:nvSpPr>
+          <p:cNvPr id="3" name="Объект 2"/>
+          <p:cNvSpPr>
+            <a:spLocks noGrp="1"/>
+          </p:cNvSpPr>
+          <p:nvPr>
+            <p:ph idx="1"/>
+          </p:nvPr>
+        </p:nvSpPr>
+        <p:spPr/>
+        <p:txBody>
+          <a:bodyPr/>
+          <a:lstStyle/>
+          <a:p>
+            <a:endParaRPr lang="ru-RU"/>
+          </a:p>
+        </p:txBody>
+      </p:sp>
+      <p:pic>
+        <p:nvPicPr>
+          <p:cNvPr id="5" name="Рисунок 4"/>
+          <p:cNvPicPr>
+            <a:picLocks noChangeAspect="1"/>
+          </p:cNvPicPr>
+          <p:nvPr/>
+        </p:nvPicPr>
+        <p:blipFill>
+          <a:blip r:embed="rId2"/>
+          <a:stretch>
+            <a:fillRect/>
+          </a:stretch>
+        </p:blipFill>
+        <p:spPr>
+          <a:xfrm>
+            <a:off x="838200" y="1316182"/>
+            <a:ext cx="10925534" cy="4073236"/>
+          </a:xfrm>
+          <a:prstGeom prst="rect">
+            <a:avLst/>
+          </a:prstGeom>
+        </p:spPr>
+      </p:pic>
+    </p:spTree>
+    <p:extLst>
+      <p:ext uri="{BB962C8B-B14F-4D97-AF65-F5344CB8AC3E}">
+        <p14:creationId xmlns:p14="http://schemas.microsoft.com/office/powerpoint/2010/main" val="1730092803"/>
+      </p:ext>
+    </p:extLst>
+  </p:cSld>
+  <p:clrMapOvr>
+    <a:masterClrMapping/>
+  </p:clrMapOvr>
+  <p:timing>
+    <p:tnLst>
+      <p:par>
+        <p:cTn id="1" dur="indefinite" restart="never" nodeType="tmRoot"/>
+      </p:par>
+    </p:tnLst>
+  </p:timing>
+</p:sld>
+</file>
+
+<file path=ppt/slides/slide29.xml><?xml version="1.0" encoding="utf-8"?>
+<p:sld xmlns:a="http://schemas.openxmlformats.org/drawingml/2006/main" xmlns:r="http://schemas.openxmlformats.org/officeDocument/2006/relationships" xmlns:p="http://schemas.openxmlformats.org/presentationml/2006/main">
+  <p:cSld>
+    <p:spTree>
+      <p:nvGrpSpPr>
+        <p:cNvPr id="1" name=""/>
+        <p:cNvGrpSpPr/>
+        <p:nvPr/>
+      </p:nvGrpSpPr>
+      <p:grpSpPr>
+        <a:xfrm>
+          <a:off x="0" y="0"/>
+          <a:ext cx="0" cy="0"/>
+          <a:chOff x="0" y="0"/>
+          <a:chExt cx="0" cy="0"/>
+        </a:xfrm>
+      </p:grpSpPr>
+      <p:sp>
+        <p:nvSpPr>
+          <p:cNvPr id="2" name="Заголовок 1"/>
+          <p:cNvSpPr>
+            <a:spLocks noGrp="1"/>
+          </p:cNvSpPr>
+          <p:nvPr>
+            <p:ph type="title"/>
+          </p:nvPr>
+        </p:nvSpPr>
+        <p:spPr/>
+        <p:txBody>
+          <a:bodyPr/>
+          <a:lstStyle/>
+          <a:p>
+            <a:r>
+              <a:rPr lang="en-US" dirty="0" err="1" smtClean="0"/>
+              <a:t>Postgres</a:t>
+            </a:r>
+            <a:r>
+              <a:rPr lang="en-US" dirty="0" smtClean="0"/>
+              <a:t> 12</a:t>
+            </a:r>
+            <a:endParaRPr lang="ru-RU" dirty="0"/>
+          </a:p>
+        </p:txBody>
+      </p:sp>
+      <p:sp>
+        <p:nvSpPr>
+          <p:cNvPr id="3" name="Объект 2"/>
+          <p:cNvSpPr>
+            <a:spLocks noGrp="1"/>
+          </p:cNvSpPr>
+          <p:nvPr>
+            <p:ph idx="1"/>
+          </p:nvPr>
+        </p:nvSpPr>
+        <p:spPr/>
+        <p:txBody>
+          <a:bodyPr/>
+          <a:lstStyle/>
+          <a:p>
+            <a:r>
+              <a:rPr lang="en-US" dirty="0" smtClean="0"/>
+              <a:t>B-Tree </a:t>
+            </a:r>
+            <a:r>
+              <a:rPr lang="ru-RU" dirty="0" smtClean="0"/>
+              <a:t>занимает меньше памяти (</a:t>
+            </a:r>
+            <a:r>
+              <a:rPr lang="en-US" dirty="0" smtClean="0"/>
+              <a:t>&lt;40%</a:t>
+            </a:r>
+            <a:r>
+              <a:rPr lang="ru-RU" dirty="0" smtClean="0"/>
+              <a:t>)</a:t>
+            </a:r>
+          </a:p>
+          <a:p>
+            <a:r>
+              <a:rPr lang="ru-RU" dirty="0" smtClean="0"/>
+              <a:t>Таблицы с тысячами </a:t>
+            </a:r>
+            <a:r>
+              <a:rPr lang="ru-RU" dirty="0" err="1" smtClean="0"/>
+              <a:t>партиций</a:t>
+            </a:r>
+            <a:r>
+              <a:rPr lang="ru-RU" dirty="0" smtClean="0"/>
+              <a:t> работают быстрее</a:t>
+            </a:r>
+          </a:p>
+          <a:p>
+            <a:r>
+              <a:rPr lang="en-US" dirty="0" smtClean="0"/>
+              <a:t>COPY </a:t>
+            </a:r>
+            <a:r>
+              <a:rPr lang="ru-RU" dirty="0" smtClean="0"/>
+              <a:t>может вставлять записи в основную таблицу:</a:t>
+            </a:r>
+            <a:endParaRPr lang="en-US" dirty="0" smtClean="0"/>
+          </a:p>
+          <a:p>
+            <a:endParaRPr lang="ru-RU" dirty="0"/>
+          </a:p>
+        </p:txBody>
+      </p:sp>
+      <p:pic>
+        <p:nvPicPr>
+          <p:cNvPr id="4" name="Рисунок 3"/>
+          <p:cNvPicPr>
+            <a:picLocks noChangeAspect="1"/>
+          </p:cNvPicPr>
+          <p:nvPr/>
+        </p:nvPicPr>
+        <p:blipFill>
+          <a:blip r:embed="rId2"/>
+          <a:stretch>
+            <a:fillRect/>
+          </a:stretch>
+        </p:blipFill>
+        <p:spPr>
+          <a:xfrm>
+            <a:off x="838200" y="3492828"/>
+            <a:ext cx="9462744" cy="2819072"/>
+          </a:xfrm>
+          <a:prstGeom prst="rect">
+            <a:avLst/>
+          </a:prstGeom>
+        </p:spPr>
+      </p:pic>
+    </p:spTree>
+    <p:extLst>
+      <p:ext uri="{BB962C8B-B14F-4D97-AF65-F5344CB8AC3E}">
+        <p14:creationId xmlns:p14="http://schemas.microsoft.com/office/powerpoint/2010/main" val="2591824470"/>
       </p:ext>
     </p:extLst>
   </p:cSld>
@@ -4334,6 +5435,81 @@
     <p:extLst>
       <p:ext uri="{BB962C8B-B14F-4D97-AF65-F5344CB8AC3E}">
         <p14:creationId xmlns:p14="http://schemas.microsoft.com/office/powerpoint/2010/main" val="4135883122"/>
+      </p:ext>
+    </p:extLst>
+  </p:cSld>
+  <p:clrMapOvr>
+    <a:masterClrMapping/>
+  </p:clrMapOvr>
+  <p:timing>
+    <p:tnLst>
+      <p:par>
+        <p:cTn id="1" dur="indefinite" restart="never" nodeType="tmRoot"/>
+      </p:par>
+    </p:tnLst>
+  </p:timing>
+</p:sld>
+</file>
+
+<file path=ppt/slides/slide30.xml><?xml version="1.0" encoding="utf-8"?>
+<p:sld xmlns:a="http://schemas.openxmlformats.org/drawingml/2006/main" xmlns:r="http://schemas.openxmlformats.org/officeDocument/2006/relationships" xmlns:p="http://schemas.openxmlformats.org/presentationml/2006/main">
+  <p:cSld>
+    <p:spTree>
+      <p:nvGrpSpPr>
+        <p:cNvPr id="1" name=""/>
+        <p:cNvGrpSpPr/>
+        <p:nvPr/>
+      </p:nvGrpSpPr>
+      <p:grpSpPr>
+        <a:xfrm>
+          <a:off x="0" y="0"/>
+          <a:ext cx="0" cy="0"/>
+          <a:chOff x="0" y="0"/>
+          <a:chExt cx="0" cy="0"/>
+        </a:xfrm>
+      </p:grpSpPr>
+      <p:sp>
+        <p:nvSpPr>
+          <p:cNvPr id="2" name="Заголовок 1"/>
+          <p:cNvSpPr>
+            <a:spLocks noGrp="1"/>
+          </p:cNvSpPr>
+          <p:nvPr>
+            <p:ph type="title"/>
+          </p:nvPr>
+        </p:nvSpPr>
+        <p:spPr/>
+        <p:txBody>
+          <a:bodyPr/>
+          <a:lstStyle/>
+          <a:p>
+            <a:endParaRPr lang="ru-RU" dirty="0"/>
+          </a:p>
+        </p:txBody>
+      </p:sp>
+      <p:sp>
+        <p:nvSpPr>
+          <p:cNvPr id="3" name="Объект 2"/>
+          <p:cNvSpPr>
+            <a:spLocks noGrp="1"/>
+          </p:cNvSpPr>
+          <p:nvPr>
+            <p:ph idx="1"/>
+          </p:nvPr>
+        </p:nvSpPr>
+        <p:spPr/>
+        <p:txBody>
+          <a:bodyPr/>
+          <a:lstStyle/>
+          <a:p>
+            <a:endParaRPr lang="ru-RU"/>
+          </a:p>
+        </p:txBody>
+      </p:sp>
+    </p:spTree>
+    <p:extLst>
+      <p:ext uri="{BB962C8B-B14F-4D97-AF65-F5344CB8AC3E}">
+        <p14:creationId xmlns:p14="http://schemas.microsoft.com/office/powerpoint/2010/main" val="3070141787"/>
       </p:ext>
     </p:extLst>
   </p:cSld>
@@ -4743,139 +5919,57 @@
           <a:bodyPr/>
           <a:lstStyle/>
           <a:p>
-            <a:endParaRPr lang="ru-RU" dirty="0"/>
-          </a:p>
-        </p:txBody>
-      </p:sp>
-      <p:sp>
-        <p:nvSpPr>
-          <p:cNvPr id="3" name="Объект 2"/>
-          <p:cNvSpPr>
-            <a:spLocks noGrp="1"/>
-          </p:cNvSpPr>
-          <p:nvPr>
-            <p:ph idx="1"/>
-          </p:nvPr>
-        </p:nvSpPr>
-        <p:spPr>
-          <a:xfrm>
-            <a:off x="838200" y="365125"/>
-            <a:ext cx="10515600" cy="5811838"/>
-          </a:xfrm>
-        </p:spPr>
-        <p:txBody>
-          <a:bodyPr/>
-          <a:lstStyle/>
-          <a:p>
-            <a:pPr marL="0" indent="0">
-              <a:buNone/>
-            </a:pPr>
-            <a:endParaRPr lang="ru-RU" dirty="0" smtClean="0"/>
-          </a:p>
-          <a:p>
-            <a:pPr marL="0" indent="0">
-              <a:buNone/>
-            </a:pPr>
-            <a:endParaRPr lang="ru-RU" dirty="0"/>
-          </a:p>
-          <a:p>
-            <a:pPr marL="0" indent="0">
-              <a:buNone/>
-            </a:pPr>
-            <a:endParaRPr lang="ru-RU" dirty="0" smtClean="0"/>
-          </a:p>
-          <a:p>
-            <a:pPr marL="0" indent="0">
-              <a:buNone/>
-            </a:pPr>
-            <a:r>
-              <a:rPr lang="ru-RU" dirty="0" smtClean="0"/>
-              <a:t>Готовые решения</a:t>
-            </a:r>
-          </a:p>
-          <a:p>
-            <a:pPr marL="0" indent="0">
-              <a:buNone/>
-            </a:pPr>
-            <a:r>
-              <a:rPr lang="ru-RU" dirty="0"/>
-              <a:t>с</a:t>
-            </a:r>
-            <a:r>
-              <a:rPr lang="ru-RU" dirty="0" smtClean="0"/>
-              <a:t>уществуют,</a:t>
-            </a:r>
-          </a:p>
-          <a:p>
-            <a:pPr marL="0" indent="0">
-              <a:buNone/>
-            </a:pPr>
-            <a:r>
-              <a:rPr lang="ru-RU" dirty="0" smtClean="0"/>
-              <a:t>но они либо не внушают </a:t>
-            </a:r>
-          </a:p>
-          <a:p>
-            <a:pPr marL="0" indent="0">
-              <a:buNone/>
-            </a:pPr>
-            <a:r>
-              <a:rPr lang="ru-RU" dirty="0"/>
-              <a:t>д</a:t>
-            </a:r>
-            <a:r>
-              <a:rPr lang="ru-RU" dirty="0" smtClean="0"/>
-              <a:t>оверия</a:t>
-            </a:r>
-          </a:p>
-          <a:p>
-            <a:pPr marL="0" indent="0">
-              <a:buNone/>
-            </a:pPr>
-            <a:r>
-              <a:rPr lang="ru-RU" dirty="0"/>
-              <a:t>л</a:t>
-            </a:r>
-            <a:r>
-              <a:rPr lang="ru-RU" dirty="0" smtClean="0"/>
-              <a:t>ибо за </a:t>
-            </a:r>
-            <a:r>
-              <a:rPr lang="en-US" dirty="0" smtClean="0"/>
-              <a:t>$$$</a:t>
-            </a:r>
-            <a:endParaRPr lang="ru-RU" dirty="0"/>
+            <a:endParaRPr lang="ru-RU"/>
           </a:p>
         </p:txBody>
       </p:sp>
       <p:pic>
         <p:nvPicPr>
-          <p:cNvPr id="5" name="Рисунок 4"/>
+          <p:cNvPr id="1026" name="Picture 2" descr="Fig. 3.1. Query Processing."/>
           <p:cNvPicPr>
-            <a:picLocks noChangeAspect="1"/>
+            <a:picLocks noGrp="1" noChangeAspect="1" noChangeArrowheads="1"/>
           </p:cNvPicPr>
-          <p:nvPr/>
+          <p:nvPr>
+            <p:ph idx="1"/>
+          </p:nvPr>
         </p:nvPicPr>
         <p:blipFill>
-          <a:blip r:embed="rId2"/>
+          <a:blip r:embed="rId2">
+            <a:extLst>
+              <a:ext uri="{28A0092B-C50C-407E-A947-70E740481C1C}">
+                <a14:useLocalDpi xmlns:a14="http://schemas.microsoft.com/office/drawing/2010/main" val="0"/>
+              </a:ext>
+            </a:extLst>
+          </a:blip>
+          <a:srcRect/>
           <a:stretch>
             <a:fillRect/>
           </a:stretch>
         </p:blipFill>
-        <p:spPr>
+        <p:spPr bwMode="auto">
           <a:xfrm>
-            <a:off x="5780130" y="365125"/>
-            <a:ext cx="5738928" cy="6029027"/>
+            <a:off x="2757056" y="864442"/>
+            <a:ext cx="5528830" cy="5463322"/>
           </a:xfrm>
           <a:prstGeom prst="rect">
             <a:avLst/>
           </a:prstGeom>
+          <a:noFill/>
+          <a:extLst>
+            <a:ext uri="{909E8E84-426E-40DD-AFC4-6F175D3DCCD1}">
+              <a14:hiddenFill xmlns:a14="http://schemas.microsoft.com/office/drawing/2010/main">
+                <a:solidFill>
+                  <a:srgbClr val="FFFFFF"/>
+                </a:solidFill>
+              </a14:hiddenFill>
+            </a:ext>
+          </a:extLst>
         </p:spPr>
       </p:pic>
     </p:spTree>
     <p:extLst>
       <p:ext uri="{BB962C8B-B14F-4D97-AF65-F5344CB8AC3E}">
-        <p14:creationId xmlns:p14="http://schemas.microsoft.com/office/powerpoint/2010/main" val="2111229373"/>
+        <p14:creationId xmlns:p14="http://schemas.microsoft.com/office/powerpoint/2010/main" val="3171664216"/>
       </p:ext>
     </p:extLst>
   </p:cSld>
@@ -4924,7 +6018,7 @@
           <a:bodyPr/>
           <a:lstStyle/>
           <a:p>
-            <a:endParaRPr lang="ru-RU"/>
+            <a:endParaRPr lang="ru-RU" dirty="0"/>
           </a:p>
         </p:txBody>
       </p:sp>
@@ -4938,18 +6032,100 @@
             <p:ph idx="1"/>
           </p:nvPr>
         </p:nvSpPr>
-        <p:spPr/>
-        <p:txBody>
-          <a:bodyPr/>
-          <a:lstStyle/>
-          <a:p>
-            <a:endParaRPr lang="ru-RU"/>
+        <p:spPr>
+          <a:xfrm>
+            <a:off x="838200" y="365125"/>
+            <a:ext cx="10515600" cy="5811838"/>
+          </a:xfrm>
+        </p:spPr>
+        <p:txBody>
+          <a:bodyPr/>
+          <a:lstStyle/>
+          <a:p>
+            <a:pPr marL="0" indent="0">
+              <a:buNone/>
+            </a:pPr>
+            <a:endParaRPr lang="ru-RU" dirty="0" smtClean="0"/>
+          </a:p>
+          <a:p>
+            <a:pPr marL="0" indent="0">
+              <a:buNone/>
+            </a:pPr>
+            <a:endParaRPr lang="ru-RU" dirty="0"/>
+          </a:p>
+          <a:p>
+            <a:pPr marL="0" indent="0">
+              <a:buNone/>
+            </a:pPr>
+            <a:endParaRPr lang="ru-RU" dirty="0" smtClean="0"/>
+          </a:p>
+          <a:p>
+            <a:pPr marL="0" indent="0">
+              <a:buNone/>
+            </a:pPr>
+            <a:r>
+              <a:rPr lang="ru-RU" dirty="0" smtClean="0"/>
+              <a:t>Готовые решения</a:t>
+            </a:r>
+          </a:p>
+          <a:p>
+            <a:pPr marL="0" indent="0">
+              <a:buNone/>
+            </a:pPr>
+            <a:r>
+              <a:rPr lang="ru-RU" dirty="0"/>
+              <a:t>с</a:t>
+            </a:r>
+            <a:r>
+              <a:rPr lang="ru-RU" dirty="0" smtClean="0"/>
+              <a:t>уществуют,</a:t>
+            </a:r>
+          </a:p>
+          <a:p>
+            <a:pPr marL="0" indent="0">
+              <a:buNone/>
+            </a:pPr>
+            <a:r>
+              <a:rPr lang="ru-RU" dirty="0" smtClean="0"/>
+              <a:t>но они либо не внушают </a:t>
+            </a:r>
+          </a:p>
+          <a:p>
+            <a:pPr marL="0" indent="0">
+              <a:buNone/>
+            </a:pPr>
+            <a:r>
+              <a:rPr lang="ru-RU" dirty="0"/>
+              <a:t>д</a:t>
+            </a:r>
+            <a:r>
+              <a:rPr lang="ru-RU" dirty="0" smtClean="0"/>
+              <a:t>оверия</a:t>
+            </a:r>
+          </a:p>
+          <a:p>
+            <a:pPr marL="0" indent="0">
+              <a:buNone/>
+            </a:pPr>
+            <a:r>
+              <a:rPr lang="ru-RU" dirty="0"/>
+              <a:t>л</a:t>
+            </a:r>
+            <a:r>
+              <a:rPr lang="ru-RU" dirty="0" smtClean="0"/>
+              <a:t>ибо за </a:t>
+            </a:r>
+            <a:r>
+              <a:rPr lang="en-US" dirty="0" smtClean="0"/>
+              <a:t>$$$</a:t>
+            </a:r>
+            <a:endParaRPr lang="ru-RU" dirty="0"/>
           </a:p>
         </p:txBody>
       </p:sp>
       <p:pic>
         <p:nvPicPr>
-          <p:cNvPr id="4" name="Рисунок 3"/>
+          <p:cNvPr id="5" name="Рисунок 4"/>
           <p:cNvPicPr>
             <a:picLocks noChangeAspect="1"/>
           </p:cNvPicPr>
@@ -4963,8 +6139,8 @@
         </p:blipFill>
         <p:spPr>
           <a:xfrm>
-            <a:off x="2092038" y="365125"/>
-            <a:ext cx="7683022" cy="6389947"/>
+            <a:off x="5780130" y="365125"/>
+            <a:ext cx="5738928" cy="6029027"/>
           </a:xfrm>
           <a:prstGeom prst="rect">
             <a:avLst/>
@@ -4974,7 +6150,7 @@
     </p:spTree>
     <p:extLst>
       <p:ext uri="{BB962C8B-B14F-4D97-AF65-F5344CB8AC3E}">
-        <p14:creationId xmlns:p14="http://schemas.microsoft.com/office/powerpoint/2010/main" val="2980377216"/>
+        <p14:creationId xmlns:p14="http://schemas.microsoft.com/office/powerpoint/2010/main" val="2111229373"/>
       </p:ext>
     </p:extLst>
   </p:cSld>
